--- a/TSP Presentation.pptx
+++ b/TSP Presentation.pptx
@@ -10,6 +10,7 @@
     <p:sldId id="258" r:id="rId4"/>
     <p:sldId id="260" r:id="rId5"/>
     <p:sldId id="259" r:id="rId6"/>
+    <p:sldId id="261" r:id="rId7"/>
   </p:sldIdLst>
   <p:sldSz cx="12192000" cy="6858000"/>
   <p:notesSz cx="6858000" cy="9144000"/>
@@ -6062,8 +6063,8 @@
         </p:blipFill>
         <p:spPr>
           <a:xfrm>
-            <a:off x="839788" y="1808164"/>
-            <a:ext cx="4542440" cy="3178918"/>
+            <a:off x="879676" y="1947060"/>
+            <a:ext cx="4669786" cy="3435168"/>
           </a:xfrm>
           <a:prstGeom prst="rect">
             <a:avLst/>
@@ -6139,6 +6140,41 @@
           </a:fontRef>
         </p:style>
       </p:cxnSp>
+      <p:sp>
+        <p:nvSpPr>
+          <p:cNvPr id="3" name="TextBox 2"/>
+          <p:cNvSpPr txBox="1"/>
+          <p:nvPr/>
+        </p:nvSpPr>
+        <p:spPr>
+          <a:xfrm>
+            <a:off x="5949387" y="4597951"/>
+            <a:ext cx="4444678" cy="461665"/>
+          </a:xfrm>
+          <a:prstGeom prst="rect">
+            <a:avLst/>
+          </a:prstGeom>
+          <a:noFill/>
+        </p:spPr>
+        <p:txBody>
+          <a:bodyPr wrap="square" rtlCol="0">
+            <a:spAutoFit/>
+          </a:bodyPr>
+          <a:lstStyle/>
+          <a:p>
+            <a:pPr algn="ctr"/>
+            <a:r>
+              <a:rPr lang="is-IS" sz="2400" dirty="0" smtClean="0"/>
+              <a:t>41! = 3.3452527e </a:t>
+            </a:r>
+            <a:r>
+              <a:rPr lang="is-IS" sz="2400" dirty="0"/>
+              <a:t>+ 49</a:t>
+            </a:r>
+            <a:endParaRPr lang="en-US" sz="2400" dirty="0"/>
+          </a:p>
+        </p:txBody>
+      </p:sp>
     </p:spTree>
     <p:extLst>
       <p:ext uri="{BB962C8B-B14F-4D97-AF65-F5344CB8AC3E}">
@@ -6229,8 +6265,8 @@
         </p:blipFill>
         <p:spPr>
           <a:xfrm>
-            <a:off x="6007261" y="1808163"/>
-            <a:ext cx="5344952" cy="3960812"/>
+            <a:off x="5375275" y="1808163"/>
+            <a:ext cx="5976938" cy="4442030"/>
           </a:xfrm>
           <a:prstGeom prst="rect">
             <a:avLst/>
@@ -6275,8 +6311,8 @@
         </p:nvSpPr>
         <p:spPr>
           <a:xfrm>
-            <a:off x="839788" y="1822250"/>
-            <a:ext cx="4535487" cy="3970318"/>
+            <a:off x="839788" y="1808163"/>
+            <a:ext cx="4076457" cy="3970318"/>
           </a:xfrm>
           <a:prstGeom prst="rect">
             <a:avLst/>
@@ -6295,6 +6331,14 @@
             </a:r>
           </a:p>
           <a:p>
+            <a:r>
+              <a:rPr lang="en-US" dirty="0" smtClean="0"/>
+              <a:t>Starting From Spain, Madrid: </a:t>
+            </a:r>
+            <a:r>
+              <a:rPr lang="is-IS" dirty="0" smtClean="0"/>
+              <a:t>26,289 Km</a:t>
+            </a:r>
             <a:endParaRPr lang="en-US" dirty="0"/>
           </a:p>
           <a:p>
@@ -6333,7 +6377,7 @@
           <a:p>
             <a:r>
               <a:rPr lang="en-US" dirty="0" smtClean="0"/>
-              <a:t>Insight: The result is a circle</a:t>
+              <a:t>I</a:t>
             </a:r>
             <a:endParaRPr lang="en-US" dirty="0"/>
           </a:p>
@@ -6638,8 +6682,8 @@
         </p:blipFill>
         <p:spPr>
           <a:xfrm>
-            <a:off x="6024564" y="1808163"/>
-            <a:ext cx="5327650" cy="3960812"/>
+            <a:off x="5375275" y="1808162"/>
+            <a:ext cx="5976939" cy="4420515"/>
           </a:xfrm>
           <a:prstGeom prst="rect">
             <a:avLst/>
@@ -6685,7 +6729,7 @@
         <p:spPr>
           <a:xfrm>
             <a:off x="839788" y="1808163"/>
-            <a:ext cx="4535487" cy="369332"/>
+            <a:ext cx="4535487" cy="646331"/>
           </a:xfrm>
           <a:prstGeom prst="rect">
             <a:avLst/>
@@ -6699,8 +6743,30 @@
           <a:lstStyle/>
           <a:p>
             <a:r>
+              <a:rPr lang="en-US" dirty="0"/>
+              <a:t>Results:</a:t>
+            </a:r>
+          </a:p>
+          <a:p>
+            <a:r>
+              <a:rPr lang="en-US" dirty="0"/>
+              <a:t>Starting From </a:t>
+            </a:r>
+            <a:r>
               <a:rPr lang="en-US" dirty="0" smtClean="0"/>
-              <a:t>Results 2:</a:t>
+              <a:t>Reykjavik, </a:t>
+            </a:r>
+            <a:r>
+              <a:rPr lang="en-US" dirty="0"/>
+              <a:t>Iceland</a:t>
+            </a:r>
+            <a:r>
+              <a:rPr lang="en-US" dirty="0" smtClean="0"/>
+              <a:t>: </a:t>
+            </a:r>
+            <a:r>
+              <a:rPr lang="is-IS" dirty="0" smtClean="0"/>
+              <a:t>20,801 Km</a:t>
             </a:r>
             <a:endParaRPr lang="en-US" dirty="0"/>
           </a:p>
@@ -6710,6 +6776,142 @@
     <p:extLst>
       <p:ext uri="{BB962C8B-B14F-4D97-AF65-F5344CB8AC3E}">
         <p14:creationId xmlns:p14="http://schemas.microsoft.com/office/powerpoint/2010/main" val="310683594"/>
+      </p:ext>
+    </p:extLst>
+  </p:cSld>
+  <p:clrMapOvr>
+    <a:masterClrMapping/>
+  </p:clrMapOvr>
+  <p:timing>
+    <p:tnLst>
+      <p:par>
+        <p:cTn id="1" dur="indefinite" restart="never" nodeType="tmRoot"/>
+      </p:par>
+    </p:tnLst>
+  </p:timing>
+</p:sld>
+</file>
+
+<file path=ppt/slides/slide6.xml><?xml version="1.0" encoding="utf-8"?>
+<p:sld xmlns:a="http://schemas.openxmlformats.org/drawingml/2006/main" xmlns:r="http://schemas.openxmlformats.org/officeDocument/2006/relationships" xmlns:p="http://schemas.openxmlformats.org/presentationml/2006/main">
+  <p:cSld>
+    <p:spTree>
+      <p:nvGrpSpPr>
+        <p:cNvPr id="1" name=""/>
+        <p:cNvGrpSpPr/>
+        <p:nvPr/>
+      </p:nvGrpSpPr>
+      <p:grpSpPr>
+        <a:xfrm>
+          <a:off x="0" y="0"/>
+          <a:ext cx="0" cy="0"/>
+          <a:chOff x="0" y="0"/>
+          <a:chExt cx="0" cy="0"/>
+        </a:xfrm>
+      </p:grpSpPr>
+      <p:sp>
+        <p:nvSpPr>
+          <p:cNvPr id="2" name="TextBox 1"/>
+          <p:cNvSpPr txBox="1"/>
+          <p:nvPr/>
+        </p:nvSpPr>
+        <p:spPr>
+          <a:xfrm>
+            <a:off x="839788" y="787897"/>
+            <a:ext cx="10512425" cy="769441"/>
+          </a:xfrm>
+          <a:prstGeom prst="rect">
+            <a:avLst/>
+          </a:prstGeom>
+          <a:noFill/>
+        </p:spPr>
+        <p:txBody>
+          <a:bodyPr wrap="square" rtlCol="0">
+            <a:spAutoFit/>
+          </a:bodyPr>
+          <a:lstStyle/>
+          <a:p>
+            <a:pPr algn="ctr"/>
+            <a:r>
+              <a:rPr lang="en-US" sz="4400" dirty="0" smtClean="0"/>
+              <a:t>Experience With </a:t>
+            </a:r>
+            <a:r>
+              <a:rPr lang="en-US" sz="4400" dirty="0" err="1" smtClean="0"/>
+              <a:t>GitHub</a:t>
+            </a:r>
+            <a:r>
+              <a:rPr lang="en-US" sz="4400" dirty="0" smtClean="0"/>
+              <a:t>?</a:t>
+            </a:r>
+            <a:endParaRPr lang="en-US" sz="4400" dirty="0"/>
+          </a:p>
+        </p:txBody>
+      </p:sp>
+      <p:cxnSp>
+        <p:nvCxnSpPr>
+          <p:cNvPr id="5" name="Straight Connector 4"/>
+          <p:cNvCxnSpPr/>
+          <p:nvPr/>
+        </p:nvCxnSpPr>
+        <p:spPr>
+          <a:xfrm>
+            <a:off x="839788" y="1557338"/>
+            <a:ext cx="10512425" cy="0"/>
+          </a:xfrm>
+          <a:prstGeom prst="line">
+            <a:avLst/>
+          </a:prstGeom>
+        </p:spPr>
+        <p:style>
+          <a:lnRef idx="1">
+            <a:schemeClr val="accent1"/>
+          </a:lnRef>
+          <a:fillRef idx="0">
+            <a:schemeClr val="accent1"/>
+          </a:fillRef>
+          <a:effectRef idx="0">
+            <a:schemeClr val="accent1"/>
+          </a:effectRef>
+          <a:fontRef idx="minor">
+            <a:schemeClr val="tx1"/>
+          </a:fontRef>
+        </p:style>
+      </p:cxnSp>
+      <p:pic>
+        <p:nvPicPr>
+          <p:cNvPr id="4" name="Picture 3"/>
+          <p:cNvPicPr>
+            <a:picLocks noChangeAspect="1"/>
+          </p:cNvPicPr>
+          <p:nvPr/>
+        </p:nvPicPr>
+        <p:blipFill>
+          <a:blip r:embed="rId2">
+            <a:extLst>
+              <a:ext uri="{28A0092B-C50C-407E-A947-70E740481C1C}">
+                <a14:useLocalDpi xmlns:a14="http://schemas.microsoft.com/office/drawing/2010/main" val="0"/>
+              </a:ext>
+            </a:extLst>
+          </a:blip>
+          <a:stretch>
+            <a:fillRect/>
+          </a:stretch>
+        </p:blipFill>
+        <p:spPr>
+          <a:xfrm>
+            <a:off x="4471595" y="2445825"/>
+            <a:ext cx="2427962" cy="2449075"/>
+          </a:xfrm>
+          <a:prstGeom prst="rect">
+            <a:avLst/>
+          </a:prstGeom>
+        </p:spPr>
+      </p:pic>
+    </p:spTree>
+    <p:extLst>
+      <p:ext uri="{BB962C8B-B14F-4D97-AF65-F5344CB8AC3E}">
+        <p14:creationId xmlns:p14="http://schemas.microsoft.com/office/powerpoint/2010/main" val="470319587"/>
       </p:ext>
     </p:extLst>
   </p:cSld>
